--- a/PrezentacijaDiplomski.pptx
+++ b/PrezentacijaDiplomski.pptx
@@ -7,6 +7,7 @@
   <p:sldIdLst>
     <p:sldId id="256" r:id="rId2"/>
     <p:sldId id="257" r:id="rId3"/>
+    <p:sldId id="258" r:id="rId4"/>
   </p:sldIdLst>
   <p:sldSz cx="12192000" cy="6858000"/>
   <p:notesSz cx="6858000" cy="9144000"/>
@@ -108,16 +109,21 @@
   <p:extLst>
     <p:ext uri="{521415D9-36F7-43E2-AB2F-B90AF26B5E84}">
       <p14:sectionLst xmlns:p14="http://schemas.microsoft.com/office/powerpoint/2010/main">
-        <p14:section name="Default Section" id="{D26AC545-3EA6-40A2-BA46-592D72B1E34D}">
+        <p14:section name="Увод" id="{D26AC545-3EA6-40A2-BA46-592D72B1E34D}">
           <p14:sldIdLst>
             <p14:sldId id="256"/>
             <p14:sldId id="257"/>
           </p14:sldIdLst>
         </p14:section>
-        <p14:section name="Untitled Section" id="{4BDD6DEC-60FB-4D0E-B6C5-A76D5B098AAE}">
-          <p14:sldIdLst/>
+        <p14:section name="Опис система" id="{4BDD6DEC-60FB-4D0E-B6C5-A76D5B098AAE}">
+          <p14:sldIdLst>
+            <p14:sldId id="258"/>
+          </p14:sldIdLst>
         </p14:section>
       </p14:sectionLst>
+    </p:ext>
+    <p:ext uri="{EFAFB233-063F-42B5-8137-9DF3F51BA10A}">
+      <p15:sldGuideLst xmlns:p15="http://schemas.microsoft.com/office/powerpoint/2012/main"/>
     </p:ext>
   </p:extLst>
 </p:presentation>
@@ -13775,31 +13781,28 @@
             <p:ph type="ctrTitle"/>
           </p:nvPr>
         </p:nvSpPr>
-        <p:spPr/>
+        <p:spPr>
+          <a:xfrm>
+            <a:off x="1154954" y="2099733"/>
+            <a:ext cx="9993209" cy="2677648"/>
+          </a:xfrm>
+        </p:spPr>
         <p:txBody>
           <a:bodyPr/>
           <a:lstStyle/>
           <a:p>
-            <a:endParaRPr lang="en-US"/>
-          </a:p>
-        </p:txBody>
-      </p:sp>
-      <p:sp>
-        <p:nvSpPr>
-          <p:cNvPr id="3" name="Subtitle 2"/>
-          <p:cNvSpPr>
-            <a:spLocks noGrp="1"/>
-          </p:cNvSpPr>
-          <p:nvPr>
-            <p:ph type="subTitle" idx="1"/>
-          </p:nvPr>
-        </p:nvSpPr>
-        <p:spPr/>
-        <p:txBody>
-          <a:bodyPr/>
-          <a:lstStyle/>
-          <a:p>
-            <a:endParaRPr lang="en-US"/>
+            <a:pPr algn="ctr"/>
+            <a:r>
+              <a:rPr lang="sr-Cyrl-RS" dirty="0" smtClean="0">
+                <a:latin typeface="Calibri" panose="020F0502020204030204" pitchFamily="34" charset="0"/>
+                <a:cs typeface="Calibri" panose="020F0502020204030204" pitchFamily="34" charset="0"/>
+              </a:rPr>
+              <a:t>Софтверски пакет за пордшку рада запослених у школским установама</a:t>
+            </a:r>
+            <a:endParaRPr lang="en-US" dirty="0">
+              <a:latin typeface="Calibri" panose="020F0502020204030204" pitchFamily="34" charset="0"/>
+              <a:cs typeface="Calibri" panose="020F0502020204030204" pitchFamily="34" charset="0"/>
+            </a:endParaRPr>
           </a:p>
         </p:txBody>
       </p:sp>
@@ -13848,7 +13851,18 @@
           <a:bodyPr/>
           <a:lstStyle/>
           <a:p>
-            <a:endParaRPr lang="en-US"/>
+            <a:pPr algn="ctr"/>
+            <a:r>
+              <a:rPr lang="sr-Cyrl-RS" dirty="0" smtClean="0">
+                <a:latin typeface="Calibri" panose="020F0502020204030204" pitchFamily="34" charset="0"/>
+                <a:cs typeface="Calibri" panose="020F0502020204030204" pitchFamily="34" charset="0"/>
+              </a:rPr>
+              <a:t>Опис информационог система</a:t>
+            </a:r>
+            <a:endParaRPr lang="en-US" dirty="0">
+              <a:latin typeface="Calibri" panose="020F0502020204030204" pitchFamily="34" charset="0"/>
+              <a:cs typeface="Calibri" panose="020F0502020204030204" pitchFamily="34" charset="0"/>
+            </a:endParaRPr>
           </a:p>
         </p:txBody>
       </p:sp>
@@ -13867,7 +13881,43 @@
           <a:bodyPr/>
           <a:lstStyle/>
           <a:p>
-            <a:endParaRPr lang="en-US"/>
+            <a:r>
+              <a:rPr lang="sr-Cyrl-RS" sz="2400" dirty="0" smtClean="0">
+                <a:latin typeface="Calibri" panose="020F0502020204030204" pitchFamily="34" charset="0"/>
+                <a:cs typeface="Calibri" panose="020F0502020204030204" pitchFamily="34" charset="0"/>
+              </a:rPr>
+              <a:t>Олакшава корисницима планирање и евидентирање обављеног посла у оквиру школске установе</a:t>
+            </a:r>
+          </a:p>
+          <a:p>
+            <a:r>
+              <a:rPr lang="sr-Cyrl-RS" sz="2400" dirty="0" smtClean="0">
+                <a:latin typeface="Calibri" panose="020F0502020204030204" pitchFamily="34" charset="0"/>
+                <a:cs typeface="Calibri" panose="020F0502020204030204" pitchFamily="34" charset="0"/>
+              </a:rPr>
+              <a:t>Омогућава бележење свих неопходних информација на једном месту</a:t>
+            </a:r>
+          </a:p>
+          <a:p>
+            <a:r>
+              <a:rPr lang="sr-Cyrl-RS" sz="2400" dirty="0" smtClean="0">
+                <a:latin typeface="Calibri" panose="020F0502020204030204" pitchFamily="34" charset="0"/>
+                <a:cs typeface="Calibri" panose="020F0502020204030204" pitchFamily="34" charset="0"/>
+              </a:rPr>
+              <a:t>Дозвољава већу посвећеност запослених својим ученицима</a:t>
+            </a:r>
+          </a:p>
+          <a:p>
+            <a:r>
+              <a:rPr lang="sr-Cyrl-RS" sz="2400" dirty="0" smtClean="0">
+                <a:latin typeface="Calibri" panose="020F0502020204030204" pitchFamily="34" charset="0"/>
+                <a:cs typeface="Calibri" panose="020F0502020204030204" pitchFamily="34" charset="0"/>
+              </a:rPr>
+              <a:t>Аутоматизује процес информисања родитеља о постигнутом успеху њихове деце</a:t>
+            </a:r>
+          </a:p>
+          <a:p>
+            <a:endParaRPr lang="sr-Cyrl-RS" sz="2400" dirty="0" smtClean="0"/>
           </a:p>
         </p:txBody>
       </p:sp>
@@ -13875,6 +13925,96 @@
     <p:extLst>
       <p:ext uri="{BB962C8B-B14F-4D97-AF65-F5344CB8AC3E}">
         <p14:creationId xmlns:p14="http://schemas.microsoft.com/office/powerpoint/2010/main" val="1285812784"/>
+      </p:ext>
+    </p:extLst>
+  </p:cSld>
+  <p:clrMapOvr>
+    <a:masterClrMapping/>
+  </p:clrMapOvr>
+</p:sld>
+</file>
+
+<file path=ppt/slides/slide3.xml><?xml version="1.0" encoding="utf-8"?>
+<p:sld xmlns:a="http://schemas.openxmlformats.org/drawingml/2006/main" xmlns:r="http://schemas.openxmlformats.org/officeDocument/2006/relationships" xmlns:p="http://schemas.openxmlformats.org/presentationml/2006/main">
+  <p:cSld>
+    <p:spTree>
+      <p:nvGrpSpPr>
+        <p:cNvPr id="1" name=""/>
+        <p:cNvGrpSpPr/>
+        <p:nvPr/>
+      </p:nvGrpSpPr>
+      <p:grpSpPr>
+        <a:xfrm>
+          <a:off x="0" y="0"/>
+          <a:ext cx="0" cy="0"/>
+          <a:chOff x="0" y="0"/>
+          <a:chExt cx="0" cy="0"/>
+        </a:xfrm>
+      </p:grpSpPr>
+      <p:sp>
+        <p:nvSpPr>
+          <p:cNvPr id="2" name="Title 1"/>
+          <p:cNvSpPr>
+            <a:spLocks noGrp="1"/>
+          </p:cNvSpPr>
+          <p:nvPr>
+            <p:ph type="title"/>
+          </p:nvPr>
+        </p:nvSpPr>
+        <p:spPr/>
+        <p:txBody>
+          <a:bodyPr/>
+          <a:lstStyle/>
+          <a:p>
+            <a:pPr algn="ctr"/>
+            <a:r>
+              <a:rPr lang="sr-Cyrl-RS" dirty="0" smtClean="0"/>
+              <a:t>Опис информационог система</a:t>
+            </a:r>
+            <a:endParaRPr lang="en-US" dirty="0"/>
+          </a:p>
+        </p:txBody>
+      </p:sp>
+      <p:sp>
+        <p:nvSpPr>
+          <p:cNvPr id="3" name="Content Placeholder 2"/>
+          <p:cNvSpPr>
+            <a:spLocks noGrp="1"/>
+          </p:cNvSpPr>
+          <p:nvPr>
+            <p:ph idx="1"/>
+          </p:nvPr>
+        </p:nvSpPr>
+        <p:spPr/>
+        <p:txBody>
+          <a:bodyPr>
+            <a:normAutofit/>
+          </a:bodyPr>
+          <a:lstStyle/>
+          <a:p>
+            <a:r>
+              <a:rPr lang="sr-Cyrl-RS" sz="2400" dirty="0" smtClean="0">
+                <a:latin typeface="Calibri" panose="020F0502020204030204" pitchFamily="34" charset="0"/>
+                <a:cs typeface="Calibri" panose="020F0502020204030204" pitchFamily="34" charset="0"/>
+              </a:rPr>
+              <a:t>Три типа корисника, према улогама у оквиру система</a:t>
+            </a:r>
+          </a:p>
+          <a:p>
+            <a:r>
+              <a:rPr lang="sr-Cyrl-RS" sz="2400" dirty="0" smtClean="0"/>
+              <a:t>Аутентификација и ауторизација корисника</a:t>
+            </a:r>
+          </a:p>
+          <a:p>
+            <a:endParaRPr lang="en-US" sz="2400" dirty="0"/>
+          </a:p>
+        </p:txBody>
+      </p:sp>
+    </p:spTree>
+    <p:extLst>
+      <p:ext uri="{BB962C8B-B14F-4D97-AF65-F5344CB8AC3E}">
+        <p14:creationId xmlns:p14="http://schemas.microsoft.com/office/powerpoint/2010/main" val="3985644089"/>
       </p:ext>
     </p:extLst>
   </p:cSld>

--- a/PrezentacijaDiplomski.pptx
+++ b/PrezentacijaDiplomski.pptx
@@ -8,6 +8,13 @@
     <p:sldId id="256" r:id="rId2"/>
     <p:sldId id="257" r:id="rId3"/>
     <p:sldId id="258" r:id="rId4"/>
+    <p:sldId id="259" r:id="rId5"/>
+    <p:sldId id="260" r:id="rId6"/>
+    <p:sldId id="261" r:id="rId7"/>
+    <p:sldId id="262" r:id="rId8"/>
+    <p:sldId id="263" r:id="rId9"/>
+    <p:sldId id="264" r:id="rId10"/>
+    <p:sldId id="265" r:id="rId11"/>
   </p:sldIdLst>
   <p:sldSz cx="12192000" cy="6858000"/>
   <p:notesSz cx="6858000" cy="9144000"/>
@@ -118,6 +125,25 @@
         <p14:section name="Опис система" id="{4BDD6DEC-60FB-4D0E-B6C5-A76D5B098AAE}">
           <p14:sldIdLst>
             <p14:sldId id="258"/>
+          </p14:sldIdLst>
+        </p14:section>
+        <p14:section name="Базе података" id="{79DE03E4-0FCA-47D2-80F1-76A8C1DDEF78}">
+          <p14:sldIdLst>
+            <p14:sldId id="259"/>
+            <p14:sldId id="260"/>
+            <p14:sldId id="261"/>
+            <p14:sldId id="262"/>
+          </p14:sldIdLst>
+        </p14:section>
+        <p14:section name="Апликативно решење" id="{984BDDE7-1D8D-4FB8-B6F3-BB6A2D4C42E2}">
+          <p14:sldIdLst>
+            <p14:sldId id="263"/>
+          </p14:sldIdLst>
+        </p14:section>
+        <p14:section name="Закључак" id="{61A69952-9DD4-4254-B187-1D86670B2798}">
+          <p14:sldIdLst>
+            <p14:sldId id="264"/>
+            <p14:sldId id="265"/>
           </p14:sldIdLst>
         </p14:section>
       </p14:sectionLst>
@@ -13819,6 +13845,63 @@
 </p:sld>
 </file>
 
+<file path=ppt/slides/slide10.xml><?xml version="1.0" encoding="utf-8"?>
+<p:sld xmlns:a="http://schemas.openxmlformats.org/drawingml/2006/main" xmlns:r="http://schemas.openxmlformats.org/officeDocument/2006/relationships" xmlns:p="http://schemas.openxmlformats.org/presentationml/2006/main">
+  <p:cSld>
+    <p:spTree>
+      <p:nvGrpSpPr>
+        <p:cNvPr id="1" name=""/>
+        <p:cNvGrpSpPr/>
+        <p:nvPr/>
+      </p:nvGrpSpPr>
+      <p:grpSpPr>
+        <a:xfrm>
+          <a:off x="0" y="0"/>
+          <a:ext cx="0" cy="0"/>
+          <a:chOff x="0" y="0"/>
+          <a:chExt cx="0" cy="0"/>
+        </a:xfrm>
+      </p:grpSpPr>
+      <p:sp>
+        <p:nvSpPr>
+          <p:cNvPr id="4" name="Title 3"/>
+          <p:cNvSpPr>
+            <a:spLocks noGrp="1"/>
+          </p:cNvSpPr>
+          <p:nvPr>
+            <p:ph type="ctrTitle"/>
+          </p:nvPr>
+        </p:nvSpPr>
+        <p:spPr/>
+        <p:txBody>
+          <a:bodyPr/>
+          <a:lstStyle/>
+          <a:p>
+            <a:pPr algn="ctr"/>
+            <a:r>
+              <a:rPr lang="sr-Cyrl-RS" dirty="0" smtClean="0"/>
+              <a:t>Хвала на пажњи!</a:t>
+            </a:r>
+            <a:br>
+              <a:rPr lang="sr-Cyrl-RS" dirty="0" smtClean="0"/>
+            </a:br>
+            <a:endParaRPr lang="en-US" dirty="0"/>
+          </a:p>
+        </p:txBody>
+      </p:sp>
+    </p:spTree>
+    <p:extLst>
+      <p:ext uri="{BB962C8B-B14F-4D97-AF65-F5344CB8AC3E}">
+        <p14:creationId xmlns:p14="http://schemas.microsoft.com/office/powerpoint/2010/main" val="332060760"/>
+      </p:ext>
+    </p:extLst>
+  </p:cSld>
+  <p:clrMapOvr>
+    <a:masterClrMapping/>
+  </p:clrMapOvr>
+</p:sld>
+</file>
+
 <file path=ppt/slides/slide2.xml><?xml version="1.0" encoding="utf-8"?>
 <p:sld xmlns:a="http://schemas.openxmlformats.org/drawingml/2006/main" xmlns:r="http://schemas.openxmlformats.org/officeDocument/2006/relationships" xmlns:p="http://schemas.openxmlformats.org/presentationml/2006/main">
   <p:cSld>
@@ -13969,7 +14052,11 @@
             <a:pPr algn="ctr"/>
             <a:r>
               <a:rPr lang="sr-Cyrl-RS" dirty="0" smtClean="0"/>
-              <a:t>Опис информационог система</a:t>
+              <a:t>Опис </a:t>
+            </a:r>
+            <a:r>
+              <a:rPr lang="sr-Cyrl-RS" dirty="0" smtClean="0"/>
+              <a:t>информационог система</a:t>
             </a:r>
             <a:endParaRPr lang="en-US" dirty="0"/>
           </a:p>
@@ -14003,8 +14090,29 @@
           <a:p>
             <a:r>
               <a:rPr lang="sr-Cyrl-RS" sz="2400" dirty="0" smtClean="0"/>
-              <a:t>Аутентификација и ауторизација корисника</a:t>
+              <a:t>Омогућена аутентификација </a:t>
             </a:r>
+            <a:r>
+              <a:rPr lang="sr-Cyrl-RS" sz="2400" dirty="0" smtClean="0"/>
+              <a:t>и ауторизација </a:t>
+            </a:r>
+            <a:r>
+              <a:rPr lang="sr-Cyrl-RS" sz="2400" dirty="0" smtClean="0"/>
+              <a:t>корисника</a:t>
+            </a:r>
+          </a:p>
+          <a:p>
+            <a:r>
+              <a:rPr lang="sr-Cyrl-RS" sz="2400" dirty="0" smtClean="0"/>
+              <a:t>Корисницима омогућене неопходне функционалности зависно од њихове улоге у оквиру система</a:t>
+            </a:r>
+          </a:p>
+          <a:p>
+            <a:r>
+              <a:rPr lang="sr-Cyrl-RS" sz="2400" dirty="0" smtClean="0"/>
+              <a:t>Неопходна иницијализација базе података за несметани рад запослених у оквиру система</a:t>
+            </a:r>
+            <a:endParaRPr lang="sr-Cyrl-RS" sz="2400" dirty="0" smtClean="0"/>
           </a:p>
           <a:p>
             <a:endParaRPr lang="en-US" sz="2400" dirty="0"/>
@@ -14015,6 +14123,614 @@
     <p:extLst>
       <p:ext uri="{BB962C8B-B14F-4D97-AF65-F5344CB8AC3E}">
         <p14:creationId xmlns:p14="http://schemas.microsoft.com/office/powerpoint/2010/main" val="3985644089"/>
+      </p:ext>
+    </p:extLst>
+  </p:cSld>
+  <p:clrMapOvr>
+    <a:masterClrMapping/>
+  </p:clrMapOvr>
+</p:sld>
+</file>
+
+<file path=ppt/slides/slide4.xml><?xml version="1.0" encoding="utf-8"?>
+<p:sld xmlns:a="http://schemas.openxmlformats.org/drawingml/2006/main" xmlns:r="http://schemas.openxmlformats.org/officeDocument/2006/relationships" xmlns:p="http://schemas.openxmlformats.org/presentationml/2006/main">
+  <p:cSld>
+    <p:spTree>
+      <p:nvGrpSpPr>
+        <p:cNvPr id="1" name=""/>
+        <p:cNvGrpSpPr/>
+        <p:nvPr/>
+      </p:nvGrpSpPr>
+      <p:grpSpPr>
+        <a:xfrm>
+          <a:off x="0" y="0"/>
+          <a:ext cx="0" cy="0"/>
+          <a:chOff x="0" y="0"/>
+          <a:chExt cx="0" cy="0"/>
+        </a:xfrm>
+      </p:grpSpPr>
+      <p:sp>
+        <p:nvSpPr>
+          <p:cNvPr id="2" name="Title 1"/>
+          <p:cNvSpPr>
+            <a:spLocks noGrp="1"/>
+          </p:cNvSpPr>
+          <p:nvPr>
+            <p:ph type="title"/>
+          </p:nvPr>
+        </p:nvSpPr>
+        <p:spPr/>
+        <p:txBody>
+          <a:bodyPr/>
+          <a:lstStyle/>
+          <a:p>
+            <a:pPr algn="ctr"/>
+            <a:r>
+              <a:rPr lang="sr-Cyrl-RS" dirty="0" smtClean="0">
+                <a:latin typeface="Calibri" panose="020F0502020204030204" pitchFamily="34" charset="0"/>
+                <a:cs typeface="Calibri" panose="020F0502020204030204" pitchFamily="34" charset="0"/>
+              </a:rPr>
+              <a:t>Концептуалне шеме база података</a:t>
+            </a:r>
+            <a:endParaRPr lang="en-US" dirty="0">
+              <a:latin typeface="Calibri" panose="020F0502020204030204" pitchFamily="34" charset="0"/>
+              <a:cs typeface="Calibri" panose="020F0502020204030204" pitchFamily="34" charset="0"/>
+            </a:endParaRPr>
+          </a:p>
+        </p:txBody>
+      </p:sp>
+      <p:sp>
+        <p:nvSpPr>
+          <p:cNvPr id="3" name="Content Placeholder 2"/>
+          <p:cNvSpPr>
+            <a:spLocks noGrp="1"/>
+          </p:cNvSpPr>
+          <p:nvPr>
+            <p:ph idx="1"/>
+          </p:nvPr>
+        </p:nvSpPr>
+        <p:spPr/>
+        <p:txBody>
+          <a:bodyPr>
+            <a:normAutofit/>
+          </a:bodyPr>
+          <a:lstStyle/>
+          <a:p>
+            <a:r>
+              <a:rPr lang="sr-Cyrl-RS" sz="2400" dirty="0" smtClean="0">
+                <a:latin typeface="Calibri" panose="020F0502020204030204" pitchFamily="34" charset="0"/>
+                <a:cs typeface="Calibri" panose="020F0502020204030204" pitchFamily="34" charset="0"/>
+              </a:rPr>
+              <a:t>У оквиру система постоје две базе података</a:t>
+            </a:r>
+          </a:p>
+          <a:p>
+            <a:r>
+              <a:rPr lang="sr-Cyrl-RS" sz="2400" dirty="0" smtClean="0">
+                <a:latin typeface="Calibri" panose="020F0502020204030204" pitchFamily="34" charset="0"/>
+                <a:cs typeface="Calibri" panose="020F0502020204030204" pitchFamily="34" charset="0"/>
+              </a:rPr>
+              <a:t>База података о корисничким информацијама</a:t>
+            </a:r>
+          </a:p>
+          <a:p>
+            <a:r>
+              <a:rPr lang="sr-Cyrl-RS" sz="2400" dirty="0" smtClean="0">
+                <a:latin typeface="Calibri" panose="020F0502020204030204" pitchFamily="34" charset="0"/>
+                <a:cs typeface="Calibri" panose="020F0502020204030204" pitchFamily="34" charset="0"/>
+              </a:rPr>
+              <a:t>База података за евидентирање рада запослених</a:t>
+            </a:r>
+          </a:p>
+          <a:p>
+            <a:endParaRPr lang="en-US" sz="2400" dirty="0">
+              <a:latin typeface="Calibri" panose="020F0502020204030204" pitchFamily="34" charset="0"/>
+              <a:cs typeface="Calibri" panose="020F0502020204030204" pitchFamily="34" charset="0"/>
+            </a:endParaRPr>
+          </a:p>
+        </p:txBody>
+      </p:sp>
+    </p:spTree>
+    <p:extLst>
+      <p:ext uri="{BB962C8B-B14F-4D97-AF65-F5344CB8AC3E}">
+        <p14:creationId xmlns:p14="http://schemas.microsoft.com/office/powerpoint/2010/main" val="638804555"/>
+      </p:ext>
+    </p:extLst>
+  </p:cSld>
+  <p:clrMapOvr>
+    <a:masterClrMapping/>
+  </p:clrMapOvr>
+  <p:timing>
+    <p:tnLst>
+      <p:par>
+        <p:cTn id="1" dur="indefinite" restart="never" nodeType="tmRoot"/>
+      </p:par>
+    </p:tnLst>
+  </p:timing>
+</p:sld>
+</file>
+
+<file path=ppt/slides/slide5.xml><?xml version="1.0" encoding="utf-8"?>
+<p:sld xmlns:a="http://schemas.openxmlformats.org/drawingml/2006/main" xmlns:r="http://schemas.openxmlformats.org/officeDocument/2006/relationships" xmlns:p="http://schemas.openxmlformats.org/presentationml/2006/main">
+  <p:cSld>
+    <p:spTree>
+      <p:nvGrpSpPr>
+        <p:cNvPr id="1" name=""/>
+        <p:cNvGrpSpPr/>
+        <p:nvPr/>
+      </p:nvGrpSpPr>
+      <p:grpSpPr>
+        <a:xfrm>
+          <a:off x="0" y="0"/>
+          <a:ext cx="0" cy="0"/>
+          <a:chOff x="0" y="0"/>
+          <a:chExt cx="0" cy="0"/>
+        </a:xfrm>
+      </p:grpSpPr>
+      <p:sp>
+        <p:nvSpPr>
+          <p:cNvPr id="2" name="Title 1"/>
+          <p:cNvSpPr>
+            <a:spLocks noGrp="1"/>
+          </p:cNvSpPr>
+          <p:nvPr>
+            <p:ph type="title"/>
+          </p:nvPr>
+        </p:nvSpPr>
+        <p:spPr/>
+        <p:txBody>
+          <a:bodyPr/>
+          <a:lstStyle/>
+          <a:p>
+            <a:pPr algn="ctr"/>
+            <a:r>
+              <a:rPr lang="sr-Cyrl-RS" dirty="0" smtClean="0">
+                <a:latin typeface="Calibri" panose="020F0502020204030204" pitchFamily="34" charset="0"/>
+                <a:cs typeface="Calibri" panose="020F0502020204030204" pitchFamily="34" charset="0"/>
+              </a:rPr>
+              <a:t>База података о корисницима – концептуална шема</a:t>
+            </a:r>
+            <a:endParaRPr lang="en-US" dirty="0">
+              <a:latin typeface="Calibri" panose="020F0502020204030204" pitchFamily="34" charset="0"/>
+              <a:cs typeface="Calibri" panose="020F0502020204030204" pitchFamily="34" charset="0"/>
+            </a:endParaRPr>
+          </a:p>
+        </p:txBody>
+      </p:sp>
+      <p:pic>
+        <p:nvPicPr>
+          <p:cNvPr id="7" name="Picture 6"/>
+          <p:cNvPicPr>
+            <a:picLocks noChangeAspect="1"/>
+          </p:cNvPicPr>
+          <p:nvPr/>
+        </p:nvPicPr>
+        <p:blipFill>
+          <a:blip r:embed="rId2"/>
+          <a:stretch>
+            <a:fillRect/>
+          </a:stretch>
+        </p:blipFill>
+        <p:spPr>
+          <a:xfrm>
+            <a:off x="2348465" y="2321096"/>
+            <a:ext cx="8023085" cy="4255338"/>
+          </a:xfrm>
+          <a:prstGeom prst="rect">
+            <a:avLst/>
+          </a:prstGeom>
+        </p:spPr>
+      </p:pic>
+    </p:spTree>
+    <p:extLst>
+      <p:ext uri="{BB962C8B-B14F-4D97-AF65-F5344CB8AC3E}">
+        <p14:creationId xmlns:p14="http://schemas.microsoft.com/office/powerpoint/2010/main" val="2183411185"/>
+      </p:ext>
+    </p:extLst>
+  </p:cSld>
+  <p:clrMapOvr>
+    <a:masterClrMapping/>
+  </p:clrMapOvr>
+  <p:timing>
+    <p:tnLst>
+      <p:par>
+        <p:cTn id="1" dur="indefinite" restart="never" nodeType="tmRoot"/>
+      </p:par>
+    </p:tnLst>
+  </p:timing>
+</p:sld>
+</file>
+
+<file path=ppt/slides/slide6.xml><?xml version="1.0" encoding="utf-8"?>
+<p:sld xmlns:a="http://schemas.openxmlformats.org/drawingml/2006/main" xmlns:r="http://schemas.openxmlformats.org/officeDocument/2006/relationships" xmlns:p="http://schemas.openxmlformats.org/presentationml/2006/main">
+  <p:cSld>
+    <p:spTree>
+      <p:nvGrpSpPr>
+        <p:cNvPr id="1" name=""/>
+        <p:cNvGrpSpPr/>
+        <p:nvPr/>
+      </p:nvGrpSpPr>
+      <p:grpSpPr>
+        <a:xfrm>
+          <a:off x="0" y="0"/>
+          <a:ext cx="0" cy="0"/>
+          <a:chOff x="0" y="0"/>
+          <a:chExt cx="0" cy="0"/>
+        </a:xfrm>
+      </p:grpSpPr>
+      <p:sp>
+        <p:nvSpPr>
+          <p:cNvPr id="2" name="Title 1"/>
+          <p:cNvSpPr>
+            <a:spLocks noGrp="1"/>
+          </p:cNvSpPr>
+          <p:nvPr>
+            <p:ph type="title"/>
+          </p:nvPr>
+        </p:nvSpPr>
+        <p:spPr/>
+        <p:txBody>
+          <a:bodyPr/>
+          <a:lstStyle/>
+          <a:p>
+            <a:pPr algn="ctr"/>
+            <a:r>
+              <a:rPr lang="sr-Cyrl-RS" dirty="0" smtClean="0">
+                <a:latin typeface="Calibri" panose="020F0502020204030204" pitchFamily="34" charset="0"/>
+                <a:cs typeface="Calibri" panose="020F0502020204030204" pitchFamily="34" charset="0"/>
+              </a:rPr>
+              <a:t>База података за евидентирање рада запослених – концептуална шема</a:t>
+            </a:r>
+            <a:endParaRPr lang="en-US" dirty="0">
+              <a:latin typeface="Calibri" panose="020F0502020204030204" pitchFamily="34" charset="0"/>
+              <a:cs typeface="Calibri" panose="020F0502020204030204" pitchFamily="34" charset="0"/>
+            </a:endParaRPr>
+          </a:p>
+        </p:txBody>
+      </p:sp>
+      <p:pic>
+        <p:nvPicPr>
+          <p:cNvPr id="4" name="Picture 3"/>
+          <p:cNvPicPr>
+            <a:picLocks noChangeAspect="1"/>
+          </p:cNvPicPr>
+          <p:nvPr/>
+        </p:nvPicPr>
+        <p:blipFill>
+          <a:blip r:embed="rId2"/>
+          <a:stretch>
+            <a:fillRect/>
+          </a:stretch>
+        </p:blipFill>
+        <p:spPr>
+          <a:xfrm>
+            <a:off x="2019809" y="2216981"/>
+            <a:ext cx="8401845" cy="4641019"/>
+          </a:xfrm>
+          <a:prstGeom prst="rect">
+            <a:avLst/>
+          </a:prstGeom>
+        </p:spPr>
+      </p:pic>
+    </p:spTree>
+    <p:extLst>
+      <p:ext uri="{BB962C8B-B14F-4D97-AF65-F5344CB8AC3E}">
+        <p14:creationId xmlns:p14="http://schemas.microsoft.com/office/powerpoint/2010/main" val="2198291856"/>
+      </p:ext>
+    </p:extLst>
+  </p:cSld>
+  <p:clrMapOvr>
+    <a:masterClrMapping/>
+  </p:clrMapOvr>
+  <p:timing>
+    <p:tnLst>
+      <p:par>
+        <p:cTn id="1" dur="indefinite" restart="never" nodeType="tmRoot"/>
+      </p:par>
+    </p:tnLst>
+  </p:timing>
+</p:sld>
+</file>
+
+<file path=ppt/slides/slide7.xml><?xml version="1.0" encoding="utf-8"?>
+<p:sld xmlns:a="http://schemas.openxmlformats.org/drawingml/2006/main" xmlns:r="http://schemas.openxmlformats.org/officeDocument/2006/relationships" xmlns:p="http://schemas.openxmlformats.org/presentationml/2006/main">
+  <p:cSld>
+    <p:spTree>
+      <p:nvGrpSpPr>
+        <p:cNvPr id="1" name=""/>
+        <p:cNvGrpSpPr/>
+        <p:nvPr/>
+      </p:nvGrpSpPr>
+      <p:grpSpPr>
+        <a:xfrm>
+          <a:off x="0" y="0"/>
+          <a:ext cx="0" cy="0"/>
+          <a:chOff x="0" y="0"/>
+          <a:chExt cx="0" cy="0"/>
+        </a:xfrm>
+      </p:grpSpPr>
+      <p:sp>
+        <p:nvSpPr>
+          <p:cNvPr id="2" name="Title 1"/>
+          <p:cNvSpPr>
+            <a:spLocks noGrp="1"/>
+          </p:cNvSpPr>
+          <p:nvPr>
+            <p:ph type="title"/>
+          </p:nvPr>
+        </p:nvSpPr>
+        <p:spPr/>
+        <p:txBody>
+          <a:bodyPr/>
+          <a:lstStyle/>
+          <a:p>
+            <a:pPr algn="ctr"/>
+            <a:r>
+              <a:rPr lang="sr-Cyrl-RS" dirty="0" smtClean="0">
+                <a:latin typeface="Calibri" panose="020F0502020204030204" pitchFamily="34" charset="0"/>
+                <a:cs typeface="Calibri" panose="020F0502020204030204" pitchFamily="34" charset="0"/>
+              </a:rPr>
+              <a:t>Изгенерисане базе података</a:t>
+            </a:r>
+            <a:endParaRPr lang="en-US" dirty="0">
+              <a:latin typeface="Calibri" panose="020F0502020204030204" pitchFamily="34" charset="0"/>
+              <a:cs typeface="Calibri" panose="020F0502020204030204" pitchFamily="34" charset="0"/>
+            </a:endParaRPr>
+          </a:p>
+        </p:txBody>
+      </p:sp>
+      <p:pic>
+        <p:nvPicPr>
+          <p:cNvPr id="5" name="Picture 4"/>
+          <p:cNvPicPr>
+            <a:picLocks noChangeAspect="1"/>
+          </p:cNvPicPr>
+          <p:nvPr/>
+        </p:nvPicPr>
+        <p:blipFill>
+          <a:blip r:embed="rId2"/>
+          <a:stretch>
+            <a:fillRect/>
+          </a:stretch>
+        </p:blipFill>
+        <p:spPr>
+          <a:xfrm>
+            <a:off x="5535659" y="2360081"/>
+            <a:ext cx="2941058" cy="4245791"/>
+          </a:xfrm>
+          <a:prstGeom prst="rect">
+            <a:avLst/>
+          </a:prstGeom>
+        </p:spPr>
+      </p:pic>
+      <p:pic>
+        <p:nvPicPr>
+          <p:cNvPr id="6" name="Picture 5"/>
+          <p:cNvPicPr>
+            <a:picLocks noChangeAspect="1"/>
+          </p:cNvPicPr>
+          <p:nvPr/>
+        </p:nvPicPr>
+        <p:blipFill>
+          <a:blip r:embed="rId3"/>
+          <a:stretch>
+            <a:fillRect/>
+          </a:stretch>
+        </p:blipFill>
+        <p:spPr>
+          <a:xfrm>
+            <a:off x="3011086" y="4277043"/>
+            <a:ext cx="2525418" cy="2328829"/>
+          </a:xfrm>
+          <a:prstGeom prst="rect">
+            <a:avLst/>
+          </a:prstGeom>
+        </p:spPr>
+      </p:pic>
+    </p:spTree>
+    <p:extLst>
+      <p:ext uri="{BB962C8B-B14F-4D97-AF65-F5344CB8AC3E}">
+        <p14:creationId xmlns:p14="http://schemas.microsoft.com/office/powerpoint/2010/main" val="2846244069"/>
+      </p:ext>
+    </p:extLst>
+  </p:cSld>
+  <p:clrMapOvr>
+    <a:masterClrMapping/>
+  </p:clrMapOvr>
+</p:sld>
+</file>
+
+<file path=ppt/slides/slide8.xml><?xml version="1.0" encoding="utf-8"?>
+<p:sld xmlns:a="http://schemas.openxmlformats.org/drawingml/2006/main" xmlns:r="http://schemas.openxmlformats.org/officeDocument/2006/relationships" xmlns:p="http://schemas.openxmlformats.org/presentationml/2006/main">
+  <p:cSld>
+    <p:spTree>
+      <p:nvGrpSpPr>
+        <p:cNvPr id="1" name=""/>
+        <p:cNvGrpSpPr/>
+        <p:nvPr/>
+      </p:nvGrpSpPr>
+      <p:grpSpPr>
+        <a:xfrm>
+          <a:off x="0" y="0"/>
+          <a:ext cx="0" cy="0"/>
+          <a:chOff x="0" y="0"/>
+          <a:chExt cx="0" cy="0"/>
+        </a:xfrm>
+      </p:grpSpPr>
+      <p:sp>
+        <p:nvSpPr>
+          <p:cNvPr id="2" name="Title 1"/>
+          <p:cNvSpPr>
+            <a:spLocks noGrp="1"/>
+          </p:cNvSpPr>
+          <p:nvPr>
+            <p:ph type="title"/>
+          </p:nvPr>
+        </p:nvSpPr>
+        <p:spPr/>
+        <p:txBody>
+          <a:bodyPr/>
+          <a:lstStyle/>
+          <a:p>
+            <a:endParaRPr lang="en-US"/>
+          </a:p>
+        </p:txBody>
+      </p:sp>
+      <p:sp>
+        <p:nvSpPr>
+          <p:cNvPr id="3" name="Content Placeholder 2"/>
+          <p:cNvSpPr>
+            <a:spLocks noGrp="1"/>
+          </p:cNvSpPr>
+          <p:nvPr>
+            <p:ph idx="1"/>
+          </p:nvPr>
+        </p:nvSpPr>
+        <p:spPr/>
+        <p:txBody>
+          <a:bodyPr/>
+          <a:lstStyle/>
+          <a:p>
+            <a:endParaRPr lang="en-US"/>
+          </a:p>
+        </p:txBody>
+      </p:sp>
+    </p:spTree>
+    <p:extLst>
+      <p:ext uri="{BB962C8B-B14F-4D97-AF65-F5344CB8AC3E}">
+        <p14:creationId xmlns:p14="http://schemas.microsoft.com/office/powerpoint/2010/main" val="385817558"/>
+      </p:ext>
+    </p:extLst>
+  </p:cSld>
+  <p:clrMapOvr>
+    <a:masterClrMapping/>
+  </p:clrMapOvr>
+</p:sld>
+</file>
+
+<file path=ppt/slides/slide9.xml><?xml version="1.0" encoding="utf-8"?>
+<p:sld xmlns:a="http://schemas.openxmlformats.org/drawingml/2006/main" xmlns:r="http://schemas.openxmlformats.org/officeDocument/2006/relationships" xmlns:p="http://schemas.openxmlformats.org/presentationml/2006/main">
+  <p:cSld>
+    <p:spTree>
+      <p:nvGrpSpPr>
+        <p:cNvPr id="1" name=""/>
+        <p:cNvGrpSpPr/>
+        <p:nvPr/>
+      </p:nvGrpSpPr>
+      <p:grpSpPr>
+        <a:xfrm>
+          <a:off x="0" y="0"/>
+          <a:ext cx="0" cy="0"/>
+          <a:chOff x="0" y="0"/>
+          <a:chExt cx="0" cy="0"/>
+        </a:xfrm>
+      </p:grpSpPr>
+      <p:sp>
+        <p:nvSpPr>
+          <p:cNvPr id="2" name="Title 1"/>
+          <p:cNvSpPr>
+            <a:spLocks noGrp="1"/>
+          </p:cNvSpPr>
+          <p:nvPr>
+            <p:ph type="title"/>
+          </p:nvPr>
+        </p:nvSpPr>
+        <p:spPr/>
+        <p:txBody>
+          <a:bodyPr/>
+          <a:lstStyle/>
+          <a:p>
+            <a:pPr algn="ctr"/>
+            <a:r>
+              <a:rPr lang="sr-Cyrl-RS" dirty="0" smtClean="0">
+                <a:latin typeface="Calibri" panose="020F0502020204030204" pitchFamily="34" charset="0"/>
+                <a:cs typeface="Calibri" panose="020F0502020204030204" pitchFamily="34" charset="0"/>
+              </a:rPr>
+              <a:t>Увођење информационог система</a:t>
+            </a:r>
+            <a:endParaRPr lang="en-US" dirty="0">
+              <a:latin typeface="Calibri" panose="020F0502020204030204" pitchFamily="34" charset="0"/>
+              <a:cs typeface="Calibri" panose="020F0502020204030204" pitchFamily="34" charset="0"/>
+            </a:endParaRPr>
+          </a:p>
+        </p:txBody>
+      </p:sp>
+      <p:sp>
+        <p:nvSpPr>
+          <p:cNvPr id="3" name="Content Placeholder 2"/>
+          <p:cNvSpPr>
+            <a:spLocks noGrp="1"/>
+          </p:cNvSpPr>
+          <p:nvPr>
+            <p:ph idx="1"/>
+          </p:nvPr>
+        </p:nvSpPr>
+        <p:spPr>
+          <a:xfrm>
+            <a:off x="1154954" y="2603500"/>
+            <a:ext cx="9078809" cy="3416300"/>
+          </a:xfrm>
+        </p:spPr>
+        <p:txBody>
+          <a:bodyPr>
+            <a:normAutofit/>
+          </a:bodyPr>
+          <a:lstStyle/>
+          <a:p>
+            <a:r>
+              <a:rPr lang="sr-Cyrl-RS" sz="2400" dirty="0" smtClean="0">
+                <a:latin typeface="Calibri" panose="020F0502020204030204" pitchFamily="34" charset="0"/>
+                <a:cs typeface="Calibri" panose="020F0502020204030204" pitchFamily="34" charset="0"/>
+              </a:rPr>
+              <a:t>Олакшава планирање и евидентирање обављеног посла</a:t>
+            </a:r>
+          </a:p>
+          <a:p>
+            <a:r>
+              <a:rPr lang="sr-Cyrl-RS" sz="2400" dirty="0" smtClean="0">
+                <a:latin typeface="Calibri" panose="020F0502020204030204" pitchFamily="34" charset="0"/>
+                <a:cs typeface="Calibri" panose="020F0502020204030204" pitchFamily="34" charset="0"/>
+              </a:rPr>
+              <a:t>Уводи унапређења при планирању рада запослених</a:t>
+            </a:r>
+          </a:p>
+          <a:p>
+            <a:r>
+              <a:rPr lang="sr-Cyrl-RS" sz="2400" dirty="0" smtClean="0">
+                <a:latin typeface="Calibri" panose="020F0502020204030204" pitchFamily="34" charset="0"/>
+                <a:cs typeface="Calibri" panose="020F0502020204030204" pitchFamily="34" charset="0"/>
+              </a:rPr>
+              <a:t>Омогућава запосленима да се више посвете едукацији ученика</a:t>
+            </a:r>
+          </a:p>
+          <a:p>
+            <a:r>
+              <a:rPr lang="sr-Cyrl-RS" sz="2400" dirty="0" smtClean="0">
+                <a:latin typeface="Calibri" panose="020F0502020204030204" pitchFamily="34" charset="0"/>
+                <a:cs typeface="Calibri" panose="020F0502020204030204" pitchFamily="34" charset="0"/>
+              </a:rPr>
+              <a:t>Аутоматизује процес обавештавања родитеља</a:t>
+            </a:r>
+          </a:p>
+          <a:p>
+            <a:r>
+              <a:rPr lang="sr-Cyrl-RS" sz="2400" dirty="0" smtClean="0">
+                <a:latin typeface="Calibri" panose="020F0502020204030204" pitchFamily="34" charset="0"/>
+                <a:cs typeface="Calibri" panose="020F0502020204030204" pitchFamily="34" charset="0"/>
+              </a:rPr>
+              <a:t>Представља солидну основу за даља унапређења</a:t>
+            </a:r>
+            <a:endParaRPr lang="en-US" sz="2400" dirty="0">
+              <a:latin typeface="Calibri" panose="020F0502020204030204" pitchFamily="34" charset="0"/>
+              <a:cs typeface="Calibri" panose="020F0502020204030204" pitchFamily="34" charset="0"/>
+            </a:endParaRPr>
+          </a:p>
+        </p:txBody>
+      </p:sp>
+    </p:spTree>
+    <p:extLst>
+      <p:ext uri="{BB962C8B-B14F-4D97-AF65-F5344CB8AC3E}">
+        <p14:creationId xmlns:p14="http://schemas.microsoft.com/office/powerpoint/2010/main" val="126807083"/>
       </p:ext>
     </p:extLst>
   </p:cSld>

--- a/PrezentacijaDiplomski.pptx
+++ b/PrezentacijaDiplomski.pptx
@@ -13,8 +13,9 @@
     <p:sldId id="261" r:id="rId7"/>
     <p:sldId id="262" r:id="rId8"/>
     <p:sldId id="263" r:id="rId9"/>
-    <p:sldId id="264" r:id="rId10"/>
-    <p:sldId id="265" r:id="rId11"/>
+    <p:sldId id="266" r:id="rId10"/>
+    <p:sldId id="264" r:id="rId11"/>
+    <p:sldId id="265" r:id="rId12"/>
   </p:sldIdLst>
   <p:sldSz cx="12192000" cy="6858000"/>
   <p:notesSz cx="6858000" cy="9144000"/>
@@ -138,6 +139,7 @@
         <p14:section name="Апликативно решење" id="{984BDDE7-1D8D-4FB8-B6F3-BB6A2D4C42E2}">
           <p14:sldIdLst>
             <p14:sldId id="263"/>
+            <p14:sldId id="266"/>
           </p14:sldIdLst>
         </p14:section>
         <p14:section name="Закључак" id="{61A69952-9DD4-4254-B187-1D86670B2798}">
@@ -802,7 +804,7 @@
             <a:fld id="{1E700B27-DE4C-4B9E-BB11-B9027034A00F}" type="datetimeFigureOut">
               <a:rPr lang="en-US" dirty="0"/>
               <a:pPr/>
-              <a:t>04-Oct-20</a:t>
+              <a:t>05-Oct-20</a:t>
             </a:fld>
             <a:endParaRPr lang="en-US" dirty="0"/>
           </a:p>
@@ -1922,7 +1924,7 @@
           <a:p>
             <a:fld id="{C40F4739-9812-4A9F-890D-2AD6BA5F6EE8}" type="datetimeFigureOut">
               <a:rPr lang="en-US" dirty="0"/>
-              <a:t>04-Oct-20</a:t>
+              <a:t>05-Oct-20</a:t>
             </a:fld>
             <a:endParaRPr lang="en-US" dirty="0"/>
           </a:p>
@@ -2933,7 +2935,7 @@
           <a:p>
             <a:fld id="{18845AC5-A3F8-44AA-BA8F-596CDCC976D3}" type="datetimeFigureOut">
               <a:rPr lang="en-US" dirty="0"/>
-              <a:t>04-Oct-20</a:t>
+              <a:t>05-Oct-20</a:t>
             </a:fld>
             <a:endParaRPr lang="en-US" dirty="0"/>
           </a:p>
@@ -4103,7 +4105,7 @@
           <a:p>
             <a:fld id="{C873B183-A821-4095-A363-9EC968635539}" type="datetimeFigureOut">
               <a:rPr lang="en-US" dirty="0"/>
-              <a:t>04-Oct-20</a:t>
+              <a:t>05-Oct-20</a:t>
             </a:fld>
             <a:endParaRPr lang="en-US" dirty="0"/>
           </a:p>
@@ -5164,7 +5166,7 @@
           <a:p>
             <a:fld id="{174D01B4-0AA5-45E6-B2E6-5FA4078AEBCF}" type="datetimeFigureOut">
               <a:rPr lang="en-US" dirty="0"/>
-              <a:t>04-Oct-20</a:t>
+              <a:t>05-Oct-20</a:t>
             </a:fld>
             <a:endParaRPr lang="en-US" dirty="0"/>
           </a:p>
@@ -5810,7 +5812,7 @@
           <a:p>
             <a:fld id="{4147335C-0450-40D7-8612-B3203BED4F28}" type="datetimeFigureOut">
               <a:rPr lang="en-US" dirty="0"/>
-              <a:t>04-Oct-20</a:t>
+              <a:t>05-Oct-20</a:t>
             </a:fld>
             <a:endParaRPr lang="en-US" dirty="0"/>
           </a:p>
@@ -6657,7 +6659,7 @@
           <a:p>
             <a:fld id="{D246A105-2A1C-4284-B4EA-07CF89B1A393}" type="datetimeFigureOut">
               <a:rPr lang="en-US" dirty="0"/>
-              <a:t>04-Oct-20</a:t>
+              <a:t>05-Oct-20</a:t>
             </a:fld>
             <a:endParaRPr lang="en-US" dirty="0"/>
           </a:p>
@@ -6832,7 +6834,7 @@
           <a:p>
             <a:fld id="{80DBE609-F3F2-45E6-BD6A-E03A8C86C1AE}" type="datetimeFigureOut">
               <a:rPr lang="en-US" dirty="0"/>
-              <a:t>04-Oct-20</a:t>
+              <a:t>05-Oct-20</a:t>
             </a:fld>
             <a:endParaRPr lang="en-US" dirty="0"/>
           </a:p>
@@ -7830,7 +7832,7 @@
           <a:p>
             <a:fld id="{7A24AD68-089C-4467-A8F3-EA2BBCA6B44E}" type="datetimeFigureOut">
               <a:rPr lang="en-US" dirty="0"/>
-              <a:t>04-Oct-20</a:t>
+              <a:t>05-Oct-20</a:t>
             </a:fld>
             <a:endParaRPr lang="en-US" dirty="0"/>
           </a:p>
@@ -8036,7 +8038,7 @@
           <a:p>
             <a:fld id="{75C51FCE-E4BB-4680-8E50-3C0E348D2609}" type="datetimeFigureOut">
               <a:rPr lang="en-US" dirty="0"/>
-              <a:t>04-Oct-20</a:t>
+              <a:t>05-Oct-20</a:t>
             </a:fld>
             <a:endParaRPr lang="en-US" dirty="0"/>
           </a:p>
@@ -9098,7 +9100,7 @@
           <a:p>
             <a:fld id="{8AAA073D-A903-47F8-8D16-77642FB0DF1F}" type="datetimeFigureOut">
               <a:rPr lang="en-US" dirty="0"/>
-              <a:t>04-Oct-20</a:t>
+              <a:t>05-Oct-20</a:t>
             </a:fld>
             <a:endParaRPr lang="en-US" dirty="0"/>
           </a:p>
@@ -9370,7 +9372,7 @@
           <a:p>
             <a:fld id="{AB91FA40-626B-4CA1-85D0-7A9016E395BA}" type="datetimeFigureOut">
               <a:rPr lang="en-US" dirty="0"/>
-              <a:t>04-Oct-20</a:t>
+              <a:t>05-Oct-20</a:t>
             </a:fld>
             <a:endParaRPr lang="en-US" dirty="0"/>
           </a:p>
@@ -9752,7 +9754,7 @@
           <a:p>
             <a:fld id="{C3F425EA-B9DC-48A7-991E-9A82573B1B21}" type="datetimeFigureOut">
               <a:rPr lang="en-US" dirty="0"/>
-              <a:t>04-Oct-20</a:t>
+              <a:t>05-Oct-20</a:t>
             </a:fld>
             <a:endParaRPr lang="en-US" dirty="0"/>
           </a:p>
@@ -9870,7 +9872,7 @@
           <a:p>
             <a:fld id="{66CB97F8-6CEB-469B-AFCC-889F2A2B1D5A}" type="datetimeFigureOut">
               <a:rPr lang="en-US" dirty="0"/>
-              <a:t>04-Oct-20</a:t>
+              <a:t>05-Oct-20</a:t>
             </a:fld>
             <a:endParaRPr lang="en-US" dirty="0"/>
           </a:p>
@@ -9965,7 +9967,7 @@
           <a:p>
             <a:fld id="{8FA9179F-009E-4FA5-B091-7EBB82A185BD}" type="datetimeFigureOut">
               <a:rPr lang="en-US" dirty="0"/>
-              <a:t>04-Oct-20</a:t>
+              <a:t>05-Oct-20</a:t>
             </a:fld>
             <a:endParaRPr lang="en-US" dirty="0"/>
           </a:p>
@@ -11074,7 +11076,7 @@
           <a:p>
             <a:fld id="{8E665CEB-0076-4E37-B880-BCEA9784DE0A}" type="datetimeFigureOut">
               <a:rPr lang="en-US" dirty="0"/>
-              <a:t>04-Oct-20</a:t>
+              <a:t>05-Oct-20</a:t>
             </a:fld>
             <a:endParaRPr lang="en-US" dirty="0"/>
           </a:p>
@@ -12207,7 +12209,7 @@
           <a:p>
             <a:fld id="{A6149E5E-3896-4118-99A7-7B85668F1C5E}" type="datetimeFigureOut">
               <a:rPr lang="en-US" dirty="0"/>
-              <a:t>04-Oct-20</a:t>
+              <a:t>05-Oct-20</a:t>
             </a:fld>
             <a:endParaRPr lang="en-US" dirty="0"/>
           </a:p>
@@ -13235,7 +13237,7 @@
           <a:p>
             <a:fld id="{7E0D914D-B099-4142-A885-11F276715148}" type="datetimeFigureOut">
               <a:rPr lang="en-US" dirty="0"/>
-              <a:t>04-Oct-20</a:t>
+              <a:t>05-Oct-20</a:t>
             </a:fld>
             <a:endParaRPr lang="en-US" dirty="0"/>
           </a:p>
@@ -13864,6 +13866,138 @@
       </p:grpSpPr>
       <p:sp>
         <p:nvSpPr>
+          <p:cNvPr id="2" name="Title 1"/>
+          <p:cNvSpPr>
+            <a:spLocks noGrp="1"/>
+          </p:cNvSpPr>
+          <p:nvPr>
+            <p:ph type="title"/>
+          </p:nvPr>
+        </p:nvSpPr>
+        <p:spPr/>
+        <p:txBody>
+          <a:bodyPr/>
+          <a:lstStyle/>
+          <a:p>
+            <a:pPr algn="ctr"/>
+            <a:r>
+              <a:rPr lang="sr-Cyrl-RS" dirty="0" smtClean="0">
+                <a:latin typeface="Calibri" panose="020F0502020204030204" pitchFamily="34" charset="0"/>
+                <a:cs typeface="Calibri" panose="020F0502020204030204" pitchFamily="34" charset="0"/>
+              </a:rPr>
+              <a:t>Увођење информационог система</a:t>
+            </a:r>
+            <a:endParaRPr lang="en-US" dirty="0">
+              <a:latin typeface="Calibri" panose="020F0502020204030204" pitchFamily="34" charset="0"/>
+              <a:cs typeface="Calibri" panose="020F0502020204030204" pitchFamily="34" charset="0"/>
+            </a:endParaRPr>
+          </a:p>
+        </p:txBody>
+      </p:sp>
+      <p:sp>
+        <p:nvSpPr>
+          <p:cNvPr id="3" name="Content Placeholder 2"/>
+          <p:cNvSpPr>
+            <a:spLocks noGrp="1"/>
+          </p:cNvSpPr>
+          <p:nvPr>
+            <p:ph idx="1"/>
+          </p:nvPr>
+        </p:nvSpPr>
+        <p:spPr>
+          <a:xfrm>
+            <a:off x="1154954" y="2603500"/>
+            <a:ext cx="9078809" cy="3416300"/>
+          </a:xfrm>
+        </p:spPr>
+        <p:txBody>
+          <a:bodyPr>
+            <a:normAutofit/>
+          </a:bodyPr>
+          <a:lstStyle/>
+          <a:p>
+            <a:r>
+              <a:rPr lang="sr-Cyrl-RS" sz="2400" dirty="0" smtClean="0">
+                <a:latin typeface="Calibri" panose="020F0502020204030204" pitchFamily="34" charset="0"/>
+                <a:cs typeface="Calibri" panose="020F0502020204030204" pitchFamily="34" charset="0"/>
+              </a:rPr>
+              <a:t>Олакшава планирање и евидентирање обављеног посла</a:t>
+            </a:r>
+          </a:p>
+          <a:p>
+            <a:r>
+              <a:rPr lang="sr-Cyrl-RS" sz="2400" dirty="0" smtClean="0">
+                <a:latin typeface="Calibri" panose="020F0502020204030204" pitchFamily="34" charset="0"/>
+                <a:cs typeface="Calibri" panose="020F0502020204030204" pitchFamily="34" charset="0"/>
+              </a:rPr>
+              <a:t>Уводи унапређења при планирању рада запослених</a:t>
+            </a:r>
+          </a:p>
+          <a:p>
+            <a:r>
+              <a:rPr lang="sr-Cyrl-RS" sz="2400" dirty="0" smtClean="0">
+                <a:latin typeface="Calibri" panose="020F0502020204030204" pitchFamily="34" charset="0"/>
+                <a:cs typeface="Calibri" panose="020F0502020204030204" pitchFamily="34" charset="0"/>
+              </a:rPr>
+              <a:t>Омогућава запосленима да се више посвете едукацији ученика</a:t>
+            </a:r>
+          </a:p>
+          <a:p>
+            <a:r>
+              <a:rPr lang="sr-Cyrl-RS" sz="2400" dirty="0" smtClean="0">
+                <a:latin typeface="Calibri" panose="020F0502020204030204" pitchFamily="34" charset="0"/>
+                <a:cs typeface="Calibri" panose="020F0502020204030204" pitchFamily="34" charset="0"/>
+              </a:rPr>
+              <a:t>Аутоматизује процес обавештавања родитеља</a:t>
+            </a:r>
+          </a:p>
+          <a:p>
+            <a:r>
+              <a:rPr lang="sr-Cyrl-RS" sz="2400" dirty="0" smtClean="0">
+                <a:latin typeface="Calibri" panose="020F0502020204030204" pitchFamily="34" charset="0"/>
+                <a:cs typeface="Calibri" panose="020F0502020204030204" pitchFamily="34" charset="0"/>
+              </a:rPr>
+              <a:t>Представља солидну основу за даља унапређења</a:t>
+            </a:r>
+            <a:endParaRPr lang="en-US" sz="2400" dirty="0">
+              <a:latin typeface="Calibri" panose="020F0502020204030204" pitchFamily="34" charset="0"/>
+              <a:cs typeface="Calibri" panose="020F0502020204030204" pitchFamily="34" charset="0"/>
+            </a:endParaRPr>
+          </a:p>
+        </p:txBody>
+      </p:sp>
+    </p:spTree>
+    <p:extLst>
+      <p:ext uri="{BB962C8B-B14F-4D97-AF65-F5344CB8AC3E}">
+        <p14:creationId xmlns:p14="http://schemas.microsoft.com/office/powerpoint/2010/main" val="126807083"/>
+      </p:ext>
+    </p:extLst>
+  </p:cSld>
+  <p:clrMapOvr>
+    <a:masterClrMapping/>
+  </p:clrMapOvr>
+</p:sld>
+</file>
+
+<file path=ppt/slides/slide11.xml><?xml version="1.0" encoding="utf-8"?>
+<p:sld xmlns:a="http://schemas.openxmlformats.org/drawingml/2006/main" xmlns:r="http://schemas.openxmlformats.org/officeDocument/2006/relationships" xmlns:p="http://schemas.openxmlformats.org/presentationml/2006/main">
+  <p:cSld>
+    <p:spTree>
+      <p:nvGrpSpPr>
+        <p:cNvPr id="1" name=""/>
+        <p:cNvGrpSpPr/>
+        <p:nvPr/>
+      </p:nvGrpSpPr>
+      <p:grpSpPr>
+        <a:xfrm>
+          <a:off x="0" y="0"/>
+          <a:ext cx="0" cy="0"/>
+          <a:chOff x="0" y="0"/>
+          <a:chExt cx="0" cy="0"/>
+        </a:xfrm>
+      </p:grpSpPr>
+      <p:sp>
+        <p:nvSpPr>
           <p:cNvPr id="4" name="Title 3"/>
           <p:cNvSpPr>
             <a:spLocks noGrp="1"/>
@@ -14052,11 +14186,7 @@
             <a:pPr algn="ctr"/>
             <a:r>
               <a:rPr lang="sr-Cyrl-RS" dirty="0" smtClean="0"/>
-              <a:t>Опис </a:t>
-            </a:r>
-            <a:r>
-              <a:rPr lang="sr-Cyrl-RS" dirty="0" smtClean="0"/>
-              <a:t>информационог система</a:t>
+              <a:t>Опис информационог система</a:t>
             </a:r>
             <a:endParaRPr lang="en-US" dirty="0"/>
           </a:p>
@@ -14090,15 +14220,7 @@
           <a:p>
             <a:r>
               <a:rPr lang="sr-Cyrl-RS" sz="2400" dirty="0" smtClean="0"/>
-              <a:t>Омогућена аутентификација </a:t>
-            </a:r>
-            <a:r>
-              <a:rPr lang="sr-Cyrl-RS" sz="2400" dirty="0" smtClean="0"/>
-              <a:t>и ауторизација </a:t>
-            </a:r>
-            <a:r>
-              <a:rPr lang="sr-Cyrl-RS" sz="2400" dirty="0" smtClean="0"/>
-              <a:t>корисника</a:t>
+              <a:t>Омогућена аутентификација и ауторизација корисника</a:t>
             </a:r>
           </a:p>
           <a:p>
@@ -14112,7 +14234,6 @@
               <a:rPr lang="sr-Cyrl-RS" sz="2400" dirty="0" smtClean="0"/>
               <a:t>Неопходна иницијализација базе података за несметани рад запослених у оквиру система</a:t>
             </a:r>
-            <a:endParaRPr lang="sr-Cyrl-RS" sz="2400" dirty="0" smtClean="0"/>
           </a:p>
           <a:p>
             <a:endParaRPr lang="en-US" sz="2400" dirty="0"/>
@@ -14572,7 +14693,18 @@
           <a:bodyPr/>
           <a:lstStyle/>
           <a:p>
-            <a:endParaRPr lang="en-US"/>
+            <a:pPr algn="ctr"/>
+            <a:r>
+              <a:rPr lang="sr-Cyrl-RS" dirty="0">
+                <a:latin typeface="Calibri" panose="020F0502020204030204" pitchFamily="34" charset="0"/>
+                <a:cs typeface="Calibri" panose="020F0502020204030204" pitchFamily="34" charset="0"/>
+              </a:rPr>
+              <a:t>Администраторске функционалности</a:t>
+            </a:r>
+            <a:endParaRPr lang="en-US" dirty="0">
+              <a:latin typeface="Calibri" panose="020F0502020204030204" pitchFamily="34" charset="0"/>
+              <a:cs typeface="Calibri" panose="020F0502020204030204" pitchFamily="34" charset="0"/>
+            </a:endParaRPr>
           </a:p>
         </p:txBody>
       </p:sp>
@@ -14642,11 +14774,11 @@
           <a:p>
             <a:pPr algn="ctr"/>
             <a:r>
-              <a:rPr lang="sr-Cyrl-RS" dirty="0" smtClean="0">
+              <a:rPr lang="sr-Cyrl-RS" smtClean="0">
                 <a:latin typeface="Calibri" panose="020F0502020204030204" pitchFamily="34" charset="0"/>
                 <a:cs typeface="Calibri" panose="020F0502020204030204" pitchFamily="34" charset="0"/>
               </a:rPr>
-              <a:t>Увођење информационог система</a:t>
+              <a:t>Функционалности запослених</a:t>
             </a:r>
             <a:endParaRPr lang="en-US" dirty="0">
               <a:latin typeface="Calibri" panose="020F0502020204030204" pitchFamily="34" charset="0"/>
@@ -14665,72 +14797,19 @@
             <p:ph idx="1"/>
           </p:nvPr>
         </p:nvSpPr>
-        <p:spPr>
-          <a:xfrm>
-            <a:off x="1154954" y="2603500"/>
-            <a:ext cx="9078809" cy="3416300"/>
-          </a:xfrm>
-        </p:spPr>
+        <p:spPr/>
         <p:txBody>
-          <a:bodyPr>
-            <a:normAutofit/>
-          </a:bodyPr>
+          <a:bodyPr/>
           <a:lstStyle/>
           <a:p>
-            <a:r>
-              <a:rPr lang="sr-Cyrl-RS" sz="2400" dirty="0" smtClean="0">
-                <a:latin typeface="Calibri" panose="020F0502020204030204" pitchFamily="34" charset="0"/>
-                <a:cs typeface="Calibri" panose="020F0502020204030204" pitchFamily="34" charset="0"/>
-              </a:rPr>
-              <a:t>Олакшава планирање и евидентирање обављеног посла</a:t>
-            </a:r>
-          </a:p>
-          <a:p>
-            <a:r>
-              <a:rPr lang="sr-Cyrl-RS" sz="2400" dirty="0" smtClean="0">
-                <a:latin typeface="Calibri" panose="020F0502020204030204" pitchFamily="34" charset="0"/>
-                <a:cs typeface="Calibri" panose="020F0502020204030204" pitchFamily="34" charset="0"/>
-              </a:rPr>
-              <a:t>Уводи унапређења при планирању рада запослених</a:t>
-            </a:r>
-          </a:p>
-          <a:p>
-            <a:r>
-              <a:rPr lang="sr-Cyrl-RS" sz="2400" dirty="0" smtClean="0">
-                <a:latin typeface="Calibri" panose="020F0502020204030204" pitchFamily="34" charset="0"/>
-                <a:cs typeface="Calibri" panose="020F0502020204030204" pitchFamily="34" charset="0"/>
-              </a:rPr>
-              <a:t>Омогућава запосленима да се више посвете едукацији ученика</a:t>
-            </a:r>
-          </a:p>
-          <a:p>
-            <a:r>
-              <a:rPr lang="sr-Cyrl-RS" sz="2400" dirty="0" smtClean="0">
-                <a:latin typeface="Calibri" panose="020F0502020204030204" pitchFamily="34" charset="0"/>
-                <a:cs typeface="Calibri" panose="020F0502020204030204" pitchFamily="34" charset="0"/>
-              </a:rPr>
-              <a:t>Аутоматизује процес обавештавања родитеља</a:t>
-            </a:r>
-          </a:p>
-          <a:p>
-            <a:r>
-              <a:rPr lang="sr-Cyrl-RS" sz="2400" dirty="0" smtClean="0">
-                <a:latin typeface="Calibri" panose="020F0502020204030204" pitchFamily="34" charset="0"/>
-                <a:cs typeface="Calibri" panose="020F0502020204030204" pitchFamily="34" charset="0"/>
-              </a:rPr>
-              <a:t>Представља солидну основу за даља унапређења</a:t>
-            </a:r>
-            <a:endParaRPr lang="en-US" sz="2400" dirty="0">
-              <a:latin typeface="Calibri" panose="020F0502020204030204" pitchFamily="34" charset="0"/>
-              <a:cs typeface="Calibri" panose="020F0502020204030204" pitchFamily="34" charset="0"/>
-            </a:endParaRPr>
+            <a:endParaRPr lang="en-US"/>
           </a:p>
         </p:txBody>
       </p:sp>
     </p:spTree>
     <p:extLst>
       <p:ext uri="{BB962C8B-B14F-4D97-AF65-F5344CB8AC3E}">
-        <p14:creationId xmlns:p14="http://schemas.microsoft.com/office/powerpoint/2010/main" val="126807083"/>
+        <p14:creationId xmlns:p14="http://schemas.microsoft.com/office/powerpoint/2010/main" val="1282477737"/>
       </p:ext>
     </p:extLst>
   </p:cSld>
